--- a/kafka.pptx
+++ b/kafka.pptx
@@ -8884,7 +8884,7 @@
   <pc:docChgLst>
     <pc:chgData name="Stefano Castagnoli" userId="b5b1c50746fa2fa2" providerId="LiveId" clId="{DE656DEF-C100-427E-8E99-3E0512DF9249}"/>
     <pc:docChg chg="undo custSel addSld delSld modSld">
-      <pc:chgData name="Stefano Castagnoli" userId="b5b1c50746fa2fa2" providerId="LiveId" clId="{DE656DEF-C100-427E-8E99-3E0512DF9249}" dt="2022-11-30T12:53:51.898" v="6987" actId="20577"/>
+      <pc:chgData name="Stefano Castagnoli" userId="b5b1c50746fa2fa2" providerId="LiveId" clId="{DE656DEF-C100-427E-8E99-3E0512DF9249}" dt="2022-11-30T14:28:35.971" v="6996" actId="20577"/>
       <pc:docMkLst>
         <pc:docMk/>
       </pc:docMkLst>
@@ -8954,7 +8954,7 @@
         </pc:sldMkLst>
       </pc:sldChg>
       <pc:sldChg chg="addSp delSp modSp mod">
-        <pc:chgData name="Stefano Castagnoli" userId="b5b1c50746fa2fa2" providerId="LiveId" clId="{DE656DEF-C100-427E-8E99-3E0512DF9249}" dt="2022-11-30T10:22:33.871" v="2114" actId="14100"/>
+        <pc:chgData name="Stefano Castagnoli" userId="b5b1c50746fa2fa2" providerId="LiveId" clId="{DE656DEF-C100-427E-8E99-3E0512DF9249}" dt="2022-11-30T13:26:33.526" v="6988" actId="207"/>
         <pc:sldMkLst>
           <pc:docMk/>
           <pc:sldMk cId="2908198579" sldId="302"/>
@@ -9008,7 +9008,7 @@
           </ac:spMkLst>
         </pc:spChg>
         <pc:spChg chg="add mod">
-          <ac:chgData name="Stefano Castagnoli" userId="b5b1c50746fa2fa2" providerId="LiveId" clId="{DE656DEF-C100-427E-8E99-3E0512DF9249}" dt="2022-11-30T10:04:31.580" v="1241" actId="1076"/>
+          <ac:chgData name="Stefano Castagnoli" userId="b5b1c50746fa2fa2" providerId="LiveId" clId="{DE656DEF-C100-427E-8E99-3E0512DF9249}" dt="2022-11-30T13:26:33.526" v="6988" actId="207"/>
           <ac:spMkLst>
             <pc:docMk/>
             <pc:sldMk cId="2908198579" sldId="302"/>
@@ -9081,7 +9081,7 @@
         </pc:cxnChg>
       </pc:sldChg>
       <pc:sldChg chg="modSp add mod">
-        <pc:chgData name="Stefano Castagnoli" userId="b5b1c50746fa2fa2" providerId="LiveId" clId="{DE656DEF-C100-427E-8E99-3E0512DF9249}" dt="2022-11-30T10:22:00.681" v="2103" actId="20577"/>
+        <pc:chgData name="Stefano Castagnoli" userId="b5b1c50746fa2fa2" providerId="LiveId" clId="{DE656DEF-C100-427E-8E99-3E0512DF9249}" dt="2022-11-30T13:29:47.190" v="6990" actId="20577"/>
         <pc:sldMkLst>
           <pc:docMk/>
           <pc:sldMk cId="795034329" sldId="303"/>
@@ -9103,7 +9103,7 @@
           </ac:spMkLst>
         </pc:spChg>
         <pc:spChg chg="mod">
-          <ac:chgData name="Stefano Castagnoli" userId="b5b1c50746fa2fa2" providerId="LiveId" clId="{DE656DEF-C100-427E-8E99-3E0512DF9249}" dt="2022-11-30T10:13:36.724" v="1935" actId="20577"/>
+          <ac:chgData name="Stefano Castagnoli" userId="b5b1c50746fa2fa2" providerId="LiveId" clId="{DE656DEF-C100-427E-8E99-3E0512DF9249}" dt="2022-11-30T13:29:47.190" v="6990" actId="20577"/>
           <ac:spMkLst>
             <pc:docMk/>
             <pc:sldMk cId="795034329" sldId="303"/>
@@ -10053,13 +10053,13 @@
         </pc:cxnChg>
       </pc:sldChg>
       <pc:sldChg chg="modSp add mod">
-        <pc:chgData name="Stefano Castagnoli" userId="b5b1c50746fa2fa2" providerId="LiveId" clId="{DE656DEF-C100-427E-8E99-3E0512DF9249}" dt="2022-11-30T12:16:10.067" v="4770" actId="6549"/>
+        <pc:chgData name="Stefano Castagnoli" userId="b5b1c50746fa2fa2" providerId="LiveId" clId="{DE656DEF-C100-427E-8E99-3E0512DF9249}" dt="2022-11-30T13:48:08.527" v="6992" actId="20577"/>
         <pc:sldMkLst>
           <pc:docMk/>
           <pc:sldMk cId="1717937755" sldId="310"/>
         </pc:sldMkLst>
         <pc:spChg chg="mod">
-          <ac:chgData name="Stefano Castagnoli" userId="b5b1c50746fa2fa2" providerId="LiveId" clId="{DE656DEF-C100-427E-8E99-3E0512DF9249}" dt="2022-11-30T12:16:10.067" v="4770" actId="6549"/>
+          <ac:chgData name="Stefano Castagnoli" userId="b5b1c50746fa2fa2" providerId="LiveId" clId="{DE656DEF-C100-427E-8E99-3E0512DF9249}" dt="2022-11-30T13:48:08.527" v="6992" actId="20577"/>
           <ac:spMkLst>
             <pc:docMk/>
             <pc:sldMk cId="1717937755" sldId="310"/>
@@ -10075,11 +10075,19 @@
         </pc:sldMkLst>
       </pc:sldChg>
       <pc:sldChg chg="modSp add mod">
-        <pc:chgData name="Stefano Castagnoli" userId="b5b1c50746fa2fa2" providerId="LiveId" clId="{DE656DEF-C100-427E-8E99-3E0512DF9249}" dt="2022-11-30T12:17:11.847" v="4813" actId="122"/>
+        <pc:chgData name="Stefano Castagnoli" userId="b5b1c50746fa2fa2" providerId="LiveId" clId="{DE656DEF-C100-427E-8E99-3E0512DF9249}" dt="2022-11-30T14:01:10.326" v="6994" actId="20577"/>
         <pc:sldMkLst>
           <pc:docMk/>
           <pc:sldMk cId="2686663367" sldId="311"/>
         </pc:sldMkLst>
+        <pc:spChg chg="mod">
+          <ac:chgData name="Stefano Castagnoli" userId="b5b1c50746fa2fa2" providerId="LiveId" clId="{DE656DEF-C100-427E-8E99-3E0512DF9249}" dt="2022-11-30T14:01:10.326" v="6994" actId="20577"/>
+          <ac:spMkLst>
+            <pc:docMk/>
+            <pc:sldMk cId="2686663367" sldId="311"/>
+            <ac:spMk id="16" creationId="{8498579A-5174-68B1-1215-6B5D3AE38097}"/>
+          </ac:spMkLst>
+        </pc:spChg>
         <pc:spChg chg="mod">
           <ac:chgData name="Stefano Castagnoli" userId="b5b1c50746fa2fa2" providerId="LiveId" clId="{DE656DEF-C100-427E-8E99-3E0512DF9249}" dt="2022-11-30T12:17:11.847" v="4813" actId="122"/>
           <ac:spMkLst>
@@ -10454,7 +10462,7 @@
         </pc:sldMkLst>
       </pc:sldChg>
       <pc:sldChg chg="addSp delSp modSp add mod">
-        <pc:chgData name="Stefano Castagnoli" userId="b5b1c50746fa2fa2" providerId="LiveId" clId="{DE656DEF-C100-427E-8E99-3E0512DF9249}" dt="2022-11-30T12:46:08.085" v="6062" actId="20577"/>
+        <pc:chgData name="Stefano Castagnoli" userId="b5b1c50746fa2fa2" providerId="LiveId" clId="{DE656DEF-C100-427E-8E99-3E0512DF9249}" dt="2022-11-30T14:28:35.971" v="6996" actId="20577"/>
         <pc:sldMkLst>
           <pc:docMk/>
           <pc:sldMk cId="4233106635" sldId="313"/>
@@ -10468,7 +10476,7 @@
           </ac:spMkLst>
         </pc:spChg>
         <pc:spChg chg="add mod">
-          <ac:chgData name="Stefano Castagnoli" userId="b5b1c50746fa2fa2" providerId="LiveId" clId="{DE656DEF-C100-427E-8E99-3E0512DF9249}" dt="2022-11-30T12:43:33.149" v="6044" actId="20577"/>
+          <ac:chgData name="Stefano Castagnoli" userId="b5b1c50746fa2fa2" providerId="LiveId" clId="{DE656DEF-C100-427E-8E99-3E0512DF9249}" dt="2022-11-30T14:28:35.971" v="6996" actId="20577"/>
           <ac:spMkLst>
             <pc:docMk/>
             <pc:sldMk cId="4233106635" sldId="313"/>
@@ -10692,7 +10700,7 @@
         </pc:sldMkLst>
       </pc:sldChg>
       <pc:sldChg chg="addSp delSp modSp add mod">
-        <pc:chgData name="Stefano Castagnoli" userId="b5b1c50746fa2fa2" providerId="LiveId" clId="{DE656DEF-C100-427E-8E99-3E0512DF9249}" dt="2022-11-30T12:53:17.611" v="6930" actId="20577"/>
+        <pc:chgData name="Stefano Castagnoli" userId="b5b1c50746fa2fa2" providerId="LiveId" clId="{DE656DEF-C100-427E-8E99-3E0512DF9249}" dt="2022-11-30T14:19:17.100" v="6995" actId="6549"/>
         <pc:sldMkLst>
           <pc:docMk/>
           <pc:sldMk cId="2882148466" sldId="314"/>
@@ -10706,7 +10714,7 @@
           </ac:spMkLst>
         </pc:spChg>
         <pc:spChg chg="add mod">
-          <ac:chgData name="Stefano Castagnoli" userId="b5b1c50746fa2fa2" providerId="LiveId" clId="{DE656DEF-C100-427E-8E99-3E0512DF9249}" dt="2022-11-30T12:53:17.611" v="6930" actId="20577"/>
+          <ac:chgData name="Stefano Castagnoli" userId="b5b1c50746fa2fa2" providerId="LiveId" clId="{DE656DEF-C100-427E-8E99-3E0512DF9249}" dt="2022-11-30T14:19:17.100" v="6995" actId="6549"/>
           <ac:spMkLst>
             <pc:docMk/>
             <pc:sldMk cId="2882148466" sldId="314"/>
@@ -24348,21 +24356,7 @@
                 <a:latin typeface="Calibri (corpo)"/>
                 <a:cs typeface="Courier New" panose="02070309020205020404" pitchFamily="49" charset="0"/>
               </a:rPr>
-              <a:t>Si basa sul valore di configurazione di Kafka assegnato </a:t>
-            </a:r>
-            <a:r>
-              <a:rPr lang="it-IT" dirty="0" err="1">
-                <a:latin typeface="Calibri (corpo)"/>
-                <a:cs typeface="Courier New" panose="02070309020205020404" pitchFamily="49" charset="0"/>
-              </a:rPr>
-              <a:t>all</a:t>
-            </a:r>
-            <a:r>
-              <a:rPr lang="it-IT" dirty="0">
-                <a:latin typeface="Calibri (corpo)"/>
-                <a:cs typeface="Courier New" panose="02070309020205020404" pitchFamily="49" charset="0"/>
-              </a:rPr>
-              <a:t> parametro </a:t>
+              <a:t>Si basa sul valore di configurazione di Kafka assegnato al parametro </a:t>
             </a:r>
             <a:r>
               <a:rPr lang="it-IT" dirty="0" err="1">
@@ -24667,7 +24661,7 @@
                 <a:latin typeface="Calibri (corpo)"/>
                 <a:cs typeface="Courier New" panose="02070309020205020404" pitchFamily="49" charset="0"/>
               </a:rPr>
-              <a:t> Platform Apache Kafka non ha:</a:t>
+              <a:t> Platform, Apache Kafka non ha:</a:t>
             </a:r>
           </a:p>
           <a:p>
@@ -25852,6 +25846,11 @@
           <a:prstGeom prst="roundRect">
             <a:avLst/>
           </a:prstGeom>
+          <a:solidFill>
+            <a:schemeClr val="bg2">
+              <a:lumMod val="50000"/>
+            </a:schemeClr>
+          </a:solidFill>
         </p:spPr>
         <p:style>
           <a:lnRef idx="2">
@@ -26357,7 +26356,7 @@
                 <a:latin typeface="Calibri (corpo)"/>
                 <a:cs typeface="Courier New" panose="02070309020205020404" pitchFamily="49" charset="0"/>
               </a:rPr>
-              <a:t>micorservizio</a:t>
+              <a:t>microservizio</a:t>
             </a:r>
             <a:r>
               <a:rPr lang="it-IT" dirty="0">
@@ -27199,32 +27198,25 @@
               <a:buAutoNum type="arabicPeriod"/>
             </a:pPr>
             <a:r>
+              <a:rPr lang="it-IT" dirty="0">
+                <a:latin typeface="Calibri (corpo)"/>
+                <a:cs typeface="Courier New" panose="02070309020205020404" pitchFamily="49" charset="0"/>
+              </a:rPr>
+              <a:t>architettura poll: i messaggi ricevuti vengono resi persistenti sul cluster Kafka e ad essi possiamo assegnare una "</a:t>
+            </a:r>
+            <a:r>
               <a:rPr lang="it-IT" dirty="0" err="1">
                 <a:latin typeface="Calibri (corpo)"/>
                 <a:cs typeface="Courier New" panose="02070309020205020404" pitchFamily="49" charset="0"/>
               </a:rPr>
-              <a:t>artchitettura</a:t>
+              <a:t>retention</a:t>
             </a:r>
             <a:r>
               <a:rPr lang="it-IT" dirty="0">
                 <a:latin typeface="Calibri (corpo)"/>
                 <a:cs typeface="Courier New" panose="02070309020205020404" pitchFamily="49" charset="0"/>
               </a:rPr>
-              <a:t> poll: i messaggi ricevuti vengono resi persistenti sul cluster Kafka e ad essi possiamo assegnare una "</a:t>
-            </a:r>
-            <a:r>
-              <a:rPr lang="it-IT" dirty="0" err="1">
-                <a:latin typeface="Calibri (corpo)"/>
-                <a:cs typeface="Courier New" panose="02070309020205020404" pitchFamily="49" charset="0"/>
-              </a:rPr>
-              <a:t>retention"temporale</a:t>
-            </a:r>
-            <a:r>
-              <a:rPr lang="it-IT" dirty="0">
-                <a:latin typeface="Calibri (corpo)"/>
-                <a:cs typeface="Courier New" panose="02070309020205020404" pitchFamily="49" charset="0"/>
-              </a:rPr>
-              <a:t> o spaziale</a:t>
+              <a:t>" temporale o spaziale</a:t>
             </a:r>
           </a:p>
         </p:txBody>
@@ -28660,7 +28652,7 @@
             </a:r>
             <a:r>
               <a:rPr lang="it-IT" dirty="0" err="1"/>
-              <a:t>nomeTopicN</a:t>
+              <a:t>nomeTopicM</a:t>
             </a:r>
             <a:r>
               <a:rPr lang="it-IT" dirty="0"/>
